--- a/SC6113_Group.pptx
+++ b/SC6113_Group.pptx
@@ -104,6 +104,11 @@
       </a:defRPr>
     </a:lvl9pPr>
   </p:defaultTextStyle>
+  <p:extLst>
+    <p:ext uri="{EFAFB233-063F-42B5-8137-9DF3F51BA10A}">
+      <p15:sldGuideLst xmlns:p15="http://schemas.microsoft.com/office/powerpoint/2012/main"/>
+    </p:ext>
+  </p:extLst>
 </p:presentation>
 </file>
 
@@ -3404,7 +3409,7 @@
         <p:spPr>
           <a:xfrm>
             <a:off x="2791768" y="3067816"/>
-            <a:ext cx="6094324" cy="523220"/>
+            <a:ext cx="7547986" cy="523220"/>
           </a:xfrm>
           <a:prstGeom prst="rect">
             <a:avLst/>
@@ -3433,7 +3438,17 @@
                 <a:effectLst/>
                 <a:latin typeface="Calibri" panose="020F0502020204030204" pitchFamily="34" charset="0"/>
               </a:rPr>
-              <a:t>SC6113 Group Demo</a:t>
+              <a:t>SC6113 Group Demo - President Voting </a:t>
+            </a:r>
+            <a:r>
+              <a:rPr lang="en-US" sz="2800" b="1" i="0" u="none" strike="noStrike" dirty="0" err="1">
+                <a:solidFill>
+                  <a:srgbClr val="000000"/>
+                </a:solidFill>
+                <a:effectLst/>
+                <a:latin typeface="Calibri" panose="020F0502020204030204" pitchFamily="34" charset="0"/>
+              </a:rPr>
+              <a:t>DApp</a:t>
             </a:r>
             <a:endParaRPr lang="en-SG" dirty="0"/>
           </a:p>
@@ -3453,8 +3468,8 @@
         </p:nvSpPr>
         <p:spPr>
           <a:xfrm>
-            <a:off x="2791768" y="3790365"/>
-            <a:ext cx="6094324" cy="2236510"/>
+            <a:off x="2791768" y="4322926"/>
+            <a:ext cx="6094324" cy="2564805"/>
           </a:xfrm>
           <a:prstGeom prst="rect">
             <a:avLst/>
@@ -3484,6 +3499,43 @@
                 <a:latin typeface="Calibri" panose="020F0502020204030204" pitchFamily="34" charset="0"/>
               </a:rPr>
               <a:t>Gao Han – G2406016G</a:t>
+            </a:r>
+          </a:p>
+          <a:p>
+            <a:pPr algn="ctr" rtl="0">
+              <a:spcBef>
+                <a:spcPts val="360"/>
+              </a:spcBef>
+              <a:spcAft>
+                <a:spcPts val="0"/>
+              </a:spcAft>
+            </a:pPr>
+            <a:r>
+              <a:rPr lang="en-SG" b="1" dirty="0">
+                <a:solidFill>
+                  <a:srgbClr val="000000"/>
+                </a:solidFill>
+                <a:latin typeface="Calibri" panose="020F0502020204030204" pitchFamily="34" charset="0"/>
+              </a:rPr>
+              <a:t>Huang </a:t>
+            </a:r>
+            <a:r>
+              <a:rPr lang="en-SG" b="1" dirty="0" err="1">
+                <a:solidFill>
+                  <a:srgbClr val="000000"/>
+                </a:solidFill>
+                <a:latin typeface="Calibri" panose="020F0502020204030204" pitchFamily="34" charset="0"/>
+              </a:rPr>
+              <a:t>Jiajun</a:t>
+            </a:r>
+            <a:r>
+              <a:rPr lang="en-SG" b="1" dirty="0">
+                <a:solidFill>
+                  <a:srgbClr val="000000"/>
+                </a:solidFill>
+                <a:latin typeface="Calibri" panose="020F0502020204030204" pitchFamily="34" charset="0"/>
+              </a:rPr>
+              <a:t> – G2403109D</a:t>
             </a:r>
             <a:endParaRPr lang="en-SG" b="0" dirty="0">
               <a:effectLst/>

--- a/SC6113_Group.pptx
+++ b/SC6113_Group.pptx
@@ -261,7 +261,7 @@
           <a:p>
             <a:fld id="{F0BB19DD-7196-41D0-9338-026267B626F4}" type="datetimeFigureOut">
               <a:rPr lang="en-SG" smtClean="0"/>
-              <a:t>9/9/2024</a:t>
+              <a:t>12/9/2024</a:t>
             </a:fld>
             <a:endParaRPr lang="en-SG"/>
           </a:p>
@@ -461,7 +461,7 @@
           <a:p>
             <a:fld id="{F0BB19DD-7196-41D0-9338-026267B626F4}" type="datetimeFigureOut">
               <a:rPr lang="en-SG" smtClean="0"/>
-              <a:t>9/9/2024</a:t>
+              <a:t>12/9/2024</a:t>
             </a:fld>
             <a:endParaRPr lang="en-SG"/>
           </a:p>
@@ -671,7 +671,7 @@
           <a:p>
             <a:fld id="{F0BB19DD-7196-41D0-9338-026267B626F4}" type="datetimeFigureOut">
               <a:rPr lang="en-SG" smtClean="0"/>
-              <a:t>9/9/2024</a:t>
+              <a:t>12/9/2024</a:t>
             </a:fld>
             <a:endParaRPr lang="en-SG"/>
           </a:p>
@@ -871,7 +871,7 @@
           <a:p>
             <a:fld id="{F0BB19DD-7196-41D0-9338-026267B626F4}" type="datetimeFigureOut">
               <a:rPr lang="en-SG" smtClean="0"/>
-              <a:t>9/9/2024</a:t>
+              <a:t>12/9/2024</a:t>
             </a:fld>
             <a:endParaRPr lang="en-SG"/>
           </a:p>
@@ -1147,7 +1147,7 @@
           <a:p>
             <a:fld id="{F0BB19DD-7196-41D0-9338-026267B626F4}" type="datetimeFigureOut">
               <a:rPr lang="en-SG" smtClean="0"/>
-              <a:t>9/9/2024</a:t>
+              <a:t>12/9/2024</a:t>
             </a:fld>
             <a:endParaRPr lang="en-SG"/>
           </a:p>
@@ -1415,7 +1415,7 @@
           <a:p>
             <a:fld id="{F0BB19DD-7196-41D0-9338-026267B626F4}" type="datetimeFigureOut">
               <a:rPr lang="en-SG" smtClean="0"/>
-              <a:t>9/9/2024</a:t>
+              <a:t>12/9/2024</a:t>
             </a:fld>
             <a:endParaRPr lang="en-SG"/>
           </a:p>
@@ -1830,7 +1830,7 @@
           <a:p>
             <a:fld id="{F0BB19DD-7196-41D0-9338-026267B626F4}" type="datetimeFigureOut">
               <a:rPr lang="en-SG" smtClean="0"/>
-              <a:t>9/9/2024</a:t>
+              <a:t>12/9/2024</a:t>
             </a:fld>
             <a:endParaRPr lang="en-SG"/>
           </a:p>
@@ -1972,7 +1972,7 @@
           <a:p>
             <a:fld id="{F0BB19DD-7196-41D0-9338-026267B626F4}" type="datetimeFigureOut">
               <a:rPr lang="en-SG" smtClean="0"/>
-              <a:t>9/9/2024</a:t>
+              <a:t>12/9/2024</a:t>
             </a:fld>
             <a:endParaRPr lang="en-SG"/>
           </a:p>
@@ -2085,7 +2085,7 @@
           <a:p>
             <a:fld id="{F0BB19DD-7196-41D0-9338-026267B626F4}" type="datetimeFigureOut">
               <a:rPr lang="en-SG" smtClean="0"/>
-              <a:t>9/9/2024</a:t>
+              <a:t>12/9/2024</a:t>
             </a:fld>
             <a:endParaRPr lang="en-SG"/>
           </a:p>
@@ -2398,7 +2398,7 @@
           <a:p>
             <a:fld id="{F0BB19DD-7196-41D0-9338-026267B626F4}" type="datetimeFigureOut">
               <a:rPr lang="en-SG" smtClean="0"/>
-              <a:t>9/9/2024</a:t>
+              <a:t>12/9/2024</a:t>
             </a:fld>
             <a:endParaRPr lang="en-SG"/>
           </a:p>
@@ -2687,7 +2687,7 @@
           <a:p>
             <a:fld id="{F0BB19DD-7196-41D0-9338-026267B626F4}" type="datetimeFigureOut">
               <a:rPr lang="en-SG" smtClean="0"/>
-              <a:t>9/9/2024</a:t>
+              <a:t>12/9/2024</a:t>
             </a:fld>
             <a:endParaRPr lang="en-SG"/>
           </a:p>
@@ -2930,7 +2930,7 @@
           <a:p>
             <a:fld id="{F0BB19DD-7196-41D0-9338-026267B626F4}" type="datetimeFigureOut">
               <a:rPr lang="en-SG" smtClean="0"/>
-              <a:t>9/9/2024</a:t>
+              <a:t>12/9/2024</a:t>
             </a:fld>
             <a:endParaRPr lang="en-SG"/>
           </a:p>
@@ -3408,8 +3408,8 @@
         </p:nvSpPr>
         <p:spPr>
           <a:xfrm>
-            <a:off x="2791768" y="3067816"/>
-            <a:ext cx="7547986" cy="523220"/>
+            <a:off x="1997950" y="3067816"/>
+            <a:ext cx="7547986" cy="954107"/>
           </a:xfrm>
           <a:prstGeom prst="rect">
             <a:avLst/>
@@ -3438,7 +3438,27 @@
                 <a:effectLst/>
                 <a:latin typeface="Calibri" panose="020F0502020204030204" pitchFamily="34" charset="0"/>
               </a:rPr>
-              <a:t>SC6113 Group Demo - President Voting </a:t>
+              <a:t>SC6113 Group 9 </a:t>
+            </a:r>
+          </a:p>
+          <a:p>
+            <a:pPr algn="ctr" rtl="0">
+              <a:spcBef>
+                <a:spcPts val="0"/>
+              </a:spcBef>
+              <a:spcAft>
+                <a:spcPts val="0"/>
+              </a:spcAft>
+            </a:pPr>
+            <a:r>
+              <a:rPr lang="en-US" sz="2800" b="1" i="0" u="none" strike="noStrike" dirty="0">
+                <a:solidFill>
+                  <a:srgbClr val="000000"/>
+                </a:solidFill>
+                <a:effectLst/>
+                <a:latin typeface="Calibri" panose="020F0502020204030204" pitchFamily="34" charset="0"/>
+              </a:rPr>
+              <a:t>Demo - Voting </a:t>
             </a:r>
             <a:r>
               <a:rPr lang="en-US" sz="2800" b="1" i="0" u="none" strike="noStrike" dirty="0" err="1">
